--- a/Java-demo.pptx
+++ b/Java-demo.pptx
@@ -16,6 +16,9 @@
     <p:sldId id="260" r:id="rId10"/>
     <p:sldId id="261" r:id="rId11"/>
     <p:sldId id="263" r:id="rId12"/>
+    <p:sldId id="268" r:id="rId13"/>
+    <p:sldId id="270" r:id="rId14"/>
+    <p:sldId id="269" r:id="rId15"/>
   </p:sldIdLst>
   <p:sldSz cx="12192000" cy="6858000"/>
   <p:notesSz cx="6858000" cy="9144000"/>
@@ -115,14 +118,6 @@
     </a:lvl9pPr>
   </p:defaultTextStyle>
 </p:presentation>
-</file>
-
-<file path=ppt/revisionInfo.xml><?xml version="1.0" encoding="utf-8"?>
-<p1510:revInfo xmlns:a="http://schemas.openxmlformats.org/drawingml/2006/main" xmlns:r="http://schemas.openxmlformats.org/officeDocument/2006/relationships" xmlns:p1510="http://schemas.microsoft.com/office/powerpoint/2015/10/main">
-  <p1510:revLst>
-    <p1510:client id="{AE582095-8FB6-4F20-BDEE-C905BF5A4EB3}" v="45" dt="2025-11-04T12:28:44.446"/>
-  </p1510:revLst>
-</p1510:revInfo>
 </file>
 
 <file path=ppt/slideLayouts/slideLayout1.xml><?xml version="1.0" encoding="utf-8"?>
@@ -3710,6 +3705,633 @@
 </p:sld>
 </file>
 
+<file path=ppt/slides/slide12.xml><?xml version="1.0" encoding="utf-8"?>
+<p:sld xmlns:a="http://schemas.openxmlformats.org/drawingml/2006/main" xmlns:r="http://schemas.openxmlformats.org/officeDocument/2006/relationships" xmlns:p="http://schemas.openxmlformats.org/presentationml/2006/main">
+  <p:cSld>
+    <p:spTree>
+      <p:nvGrpSpPr>
+        <p:cNvPr id="1" name=""/>
+        <p:cNvGrpSpPr/>
+        <p:nvPr/>
+      </p:nvGrpSpPr>
+      <p:grpSpPr>
+        <a:xfrm>
+          <a:off x="0" y="0"/>
+          <a:ext cx="0" cy="0"/>
+          <a:chOff x="0" y="0"/>
+          <a:chExt cx="0" cy="0"/>
+        </a:xfrm>
+      </p:grpSpPr>
+      <p:sp>
+        <p:nvSpPr>
+          <p:cNvPr id="2" name="Title 1">
+            <a:extLst>
+              <a:ext uri="{FF2B5EF4-FFF2-40B4-BE49-F238E27FC236}">
+                <a16:creationId xmlns:a16="http://schemas.microsoft.com/office/drawing/2014/main" id="{FAFFF8CC-B962-0FE7-B78D-D85D9A36BBC5}"/>
+              </a:ext>
+            </a:extLst>
+          </p:cNvPr>
+          <p:cNvSpPr>
+            <a:spLocks noGrp="1"/>
+          </p:cNvSpPr>
+          <p:nvPr>
+            <p:ph type="title"/>
+          </p:nvPr>
+        </p:nvSpPr>
+        <p:spPr/>
+        <p:txBody>
+          <a:bodyPr/>
+          <a:lstStyle/>
+          <a:p>
+            <a:pPr algn="ctr"/>
+            <a:r>
+              <a:rPr lang="en-US" dirty="0"/>
+              <a:t>Encapsulation</a:t>
+            </a:r>
+            <a:endParaRPr lang="en-IN" dirty="0"/>
+          </a:p>
+        </p:txBody>
+      </p:sp>
+      <p:sp>
+        <p:nvSpPr>
+          <p:cNvPr id="3" name="Content Placeholder 2">
+            <a:extLst>
+              <a:ext uri="{FF2B5EF4-FFF2-40B4-BE49-F238E27FC236}">
+                <a16:creationId xmlns:a16="http://schemas.microsoft.com/office/drawing/2014/main" id="{CE7E197F-9B60-22CE-872B-EC3EF928AE52}"/>
+              </a:ext>
+            </a:extLst>
+          </p:cNvPr>
+          <p:cNvSpPr>
+            <a:spLocks noGrp="1"/>
+          </p:cNvSpPr>
+          <p:nvPr>
+            <p:ph idx="1"/>
+          </p:nvPr>
+        </p:nvSpPr>
+        <p:spPr/>
+        <p:txBody>
+          <a:bodyPr/>
+          <a:lstStyle/>
+          <a:p>
+            <a:r>
+              <a:rPr lang="en-US" b="1" dirty="0"/>
+              <a:t>data (variables)</a:t>
+            </a:r>
+            <a:r>
+              <a:rPr lang="en-US" dirty="0"/>
+              <a:t> and </a:t>
+            </a:r>
+            <a:r>
+              <a:rPr lang="en-US" b="1" dirty="0"/>
+              <a:t>methods (functions)</a:t>
+            </a:r>
+            <a:r>
+              <a:rPr lang="en-US" dirty="0"/>
+              <a:t> together into a single unit (a class) and </a:t>
+            </a:r>
+            <a:r>
+              <a:rPr lang="en-US" b="1" dirty="0"/>
+              <a:t>restricting direct access to the data</a:t>
+            </a:r>
+            <a:r>
+              <a:rPr lang="en-US" dirty="0"/>
+              <a:t> from outside the class. </a:t>
+            </a:r>
+          </a:p>
+          <a:p>
+            <a:r>
+              <a:rPr lang="en-US" dirty="0"/>
+              <a:t>Encapsulation = </a:t>
+            </a:r>
+            <a:r>
+              <a:rPr lang="en-US" b="1" dirty="0"/>
+              <a:t>data hiding + controlled access</a:t>
+            </a:r>
+            <a:r>
+              <a:rPr lang="en-US" dirty="0"/>
+              <a:t> through method</a:t>
+            </a:r>
+            <a:endParaRPr lang="en-IN" dirty="0"/>
+          </a:p>
+          <a:p>
+            <a:endParaRPr lang="en-US" dirty="0"/>
+          </a:p>
+        </p:txBody>
+      </p:sp>
+    </p:spTree>
+    <p:extLst>
+      <p:ext uri="{BB962C8B-B14F-4D97-AF65-F5344CB8AC3E}">
+        <p14:creationId xmlns:p14="http://schemas.microsoft.com/office/powerpoint/2010/main" val="970308230"/>
+      </p:ext>
+    </p:extLst>
+  </p:cSld>
+  <p:clrMapOvr>
+    <a:masterClrMapping/>
+  </p:clrMapOvr>
+</p:sld>
+</file>
+
+<file path=ppt/slides/slide13.xml><?xml version="1.0" encoding="utf-8"?>
+<p:sld xmlns:a="http://schemas.openxmlformats.org/drawingml/2006/main" xmlns:r="http://schemas.openxmlformats.org/officeDocument/2006/relationships" xmlns:p="http://schemas.openxmlformats.org/presentationml/2006/main">
+  <p:cSld>
+    <p:spTree>
+      <p:nvGrpSpPr>
+        <p:cNvPr id="1" name=""/>
+        <p:cNvGrpSpPr/>
+        <p:nvPr/>
+      </p:nvGrpSpPr>
+      <p:grpSpPr>
+        <a:xfrm>
+          <a:off x="0" y="0"/>
+          <a:ext cx="0" cy="0"/>
+          <a:chOff x="0" y="0"/>
+          <a:chExt cx="0" cy="0"/>
+        </a:xfrm>
+      </p:grpSpPr>
+      <p:sp>
+        <p:nvSpPr>
+          <p:cNvPr id="4" name="Rectangle 1">
+            <a:extLst>
+              <a:ext uri="{FF2B5EF4-FFF2-40B4-BE49-F238E27FC236}">
+                <a16:creationId xmlns:a16="http://schemas.microsoft.com/office/drawing/2014/main" id="{F57C88F3-DF9F-6D27-D76D-761AAFBA0C46}"/>
+              </a:ext>
+            </a:extLst>
+          </p:cNvPr>
+          <p:cNvSpPr>
+            <a:spLocks noGrp="1" noChangeArrowheads="1"/>
+          </p:cNvSpPr>
+          <p:nvPr>
+            <p:ph idx="1"/>
+          </p:nvPr>
+        </p:nvSpPr>
+        <p:spPr bwMode="auto">
+          <a:xfrm>
+            <a:off x="838200" y="2893299"/>
+            <a:ext cx="10372344" cy="2215991"/>
+          </a:xfrm>
+          <a:prstGeom prst="rect">
+            <a:avLst/>
+          </a:prstGeom>
+          <a:noFill/>
+          <a:ln>
+            <a:noFill/>
+          </a:ln>
+          <a:effectLst/>
+          <a:extLst>
+            <a:ext uri="{909E8E84-426E-40DD-AFC4-6F175D3DCCD1}">
+              <a14:hiddenFill xmlns:a14="http://schemas.microsoft.com/office/drawing/2010/main">
+                <a:solidFill>
+                  <a:schemeClr val="accent1"/>
+                </a:solidFill>
+              </a14:hiddenFill>
+            </a:ext>
+            <a:ext uri="{91240B29-F687-4F45-9708-019B960494DF}">
+              <a14:hiddenLine xmlns:a14="http://schemas.microsoft.com/office/drawing/2010/main" w="9525">
+                <a:solidFill>
+                  <a:schemeClr val="tx1"/>
+                </a:solidFill>
+                <a:miter lim="800000"/>
+                <a:headEnd/>
+                <a:tailEnd/>
+              </a14:hiddenLine>
+            </a:ext>
+            <a:ext uri="{AF507438-7753-43E0-B8FC-AC1667EBCBE1}">
+              <a14:hiddenEffects xmlns:a14="http://schemas.microsoft.com/office/drawing/2010/main">
+                <a:effectLst>
+                  <a:outerShdw dist="35921" dir="2700000" algn="ctr" rotWithShape="0">
+                    <a:schemeClr val="bg2"/>
+                  </a:outerShdw>
+                </a:effectLst>
+              </a14:hiddenEffects>
+            </a:ext>
+          </a:extLst>
+        </p:spPr>
+        <p:txBody>
+          <a:bodyPr vert="horz" wrap="square" lIns="91440" tIns="45720" rIns="91440" bIns="45720" numCol="1" anchor="ctr" anchorCtr="0" compatLnSpc="1">
+            <a:prstTxWarp prst="textNoShape">
+              <a:avLst/>
+            </a:prstTxWarp>
+            <a:spAutoFit/>
+          </a:bodyPr>
+          <a:lstStyle/>
+          <a:p>
+            <a:pPr marL="0" marR="0" lvl="0" indent="0" algn="l" defTabSz="914400" rtl="0" eaLnBrk="0" fontAlgn="base" latinLnBrk="0" hangingPunct="0">
+              <a:lnSpc>
+                <a:spcPct val="100000"/>
+              </a:lnSpc>
+              <a:spcBef>
+                <a:spcPct val="0"/>
+              </a:spcBef>
+              <a:spcAft>
+                <a:spcPct val="0"/>
+              </a:spcAft>
+              <a:buClrTx/>
+              <a:buSzTx/>
+              <a:buFontTx/>
+              <a:buChar char="•"/>
+              <a:tabLst/>
+            </a:pPr>
+            <a:endParaRPr kumimoji="0" lang="en-US" altLang="en-US" sz="1800" b="0" i="0" u="none" strike="noStrike" cap="none" normalizeH="0" baseline="0" dirty="0">
+              <a:ln>
+                <a:noFill/>
+              </a:ln>
+              <a:solidFill>
+                <a:schemeClr val="tx1"/>
+              </a:solidFill>
+              <a:effectLst/>
+              <a:latin typeface="Arial" panose="020B0604020202020204" pitchFamily="34" charset="0"/>
+            </a:endParaRPr>
+          </a:p>
+          <a:p>
+            <a:pPr marL="0" marR="0" lvl="0" indent="0" algn="l" defTabSz="914400" rtl="0" eaLnBrk="0" fontAlgn="base" latinLnBrk="0" hangingPunct="0">
+              <a:lnSpc>
+                <a:spcPct val="100000"/>
+              </a:lnSpc>
+              <a:spcBef>
+                <a:spcPct val="0"/>
+              </a:spcBef>
+              <a:spcAft>
+                <a:spcPct val="0"/>
+              </a:spcAft>
+              <a:buClrTx/>
+              <a:buSzTx/>
+              <a:buFontTx/>
+              <a:buChar char="•"/>
+              <a:tabLst/>
+            </a:pPr>
+            <a:r>
+              <a:rPr kumimoji="0" lang="en-US" altLang="en-US" sz="3000" b="0" i="0" u="none" strike="noStrike" cap="none" normalizeH="0" baseline="0" dirty="0">
+                <a:ln>
+                  <a:noFill/>
+                </a:ln>
+                <a:solidFill>
+                  <a:schemeClr val="tx1"/>
+                </a:solidFill>
+                <a:effectLst/>
+                <a:latin typeface="Arial" panose="020B0604020202020204" pitchFamily="34" charset="0"/>
+              </a:rPr>
+              <a:t>Data hiding (using </a:t>
+            </a:r>
+            <a:r>
+              <a:rPr kumimoji="0" lang="en-US" altLang="en-US" sz="3000" b="0" i="0" u="none" strike="noStrike" cap="none" normalizeH="0" baseline="0" dirty="0">
+                <a:ln>
+                  <a:noFill/>
+                </a:ln>
+                <a:solidFill>
+                  <a:schemeClr val="tx1"/>
+                </a:solidFill>
+                <a:effectLst/>
+                <a:latin typeface="Arial Unicode MS"/>
+              </a:rPr>
+              <a:t>private</a:t>
+            </a:r>
+            <a:r>
+              <a:rPr kumimoji="0" lang="en-US" altLang="en-US" sz="3000" b="0" i="0" u="none" strike="noStrike" cap="none" normalizeH="0" baseline="0" dirty="0">
+                <a:ln>
+                  <a:noFill/>
+                </a:ln>
+                <a:solidFill>
+                  <a:schemeClr val="tx1"/>
+                </a:solidFill>
+                <a:effectLst/>
+              </a:rPr>
+              <a:t> variables)</a:t>
+            </a:r>
+            <a:endParaRPr kumimoji="0" lang="en-US" altLang="en-US" sz="3000" b="0" i="0" u="none" strike="noStrike" cap="none" normalizeH="0" baseline="0" dirty="0">
+              <a:ln>
+                <a:noFill/>
+              </a:ln>
+              <a:solidFill>
+                <a:schemeClr val="tx1"/>
+              </a:solidFill>
+              <a:effectLst/>
+              <a:latin typeface="Arial" panose="020B0604020202020204" pitchFamily="34" charset="0"/>
+            </a:endParaRPr>
+          </a:p>
+          <a:p>
+            <a:pPr marL="0" marR="0" lvl="0" indent="0" algn="l" defTabSz="914400" rtl="0" eaLnBrk="0" fontAlgn="base" latinLnBrk="0" hangingPunct="0">
+              <a:lnSpc>
+                <a:spcPct val="100000"/>
+              </a:lnSpc>
+              <a:spcBef>
+                <a:spcPct val="0"/>
+              </a:spcBef>
+              <a:spcAft>
+                <a:spcPct val="0"/>
+              </a:spcAft>
+              <a:buClrTx/>
+              <a:buSzTx/>
+              <a:buFontTx/>
+              <a:buChar char="•"/>
+              <a:tabLst/>
+            </a:pPr>
+            <a:r>
+              <a:rPr kumimoji="0" lang="en-US" altLang="en-US" sz="3000" b="0" i="0" u="none" strike="noStrike" cap="none" normalizeH="0" baseline="0" dirty="0">
+                <a:ln>
+                  <a:noFill/>
+                </a:ln>
+                <a:solidFill>
+                  <a:schemeClr val="tx1"/>
+                </a:solidFill>
+                <a:effectLst/>
+                <a:latin typeface="Arial" panose="020B0604020202020204" pitchFamily="34" charset="0"/>
+              </a:rPr>
+              <a:t>Access only through public methods (getters/setters)</a:t>
+            </a:r>
+          </a:p>
+          <a:p>
+            <a:pPr marL="0" marR="0" lvl="0" indent="0" algn="l" defTabSz="914400" rtl="0" eaLnBrk="0" fontAlgn="base" latinLnBrk="0" hangingPunct="0">
+              <a:lnSpc>
+                <a:spcPct val="100000"/>
+              </a:lnSpc>
+              <a:spcBef>
+                <a:spcPct val="0"/>
+              </a:spcBef>
+              <a:spcAft>
+                <a:spcPct val="0"/>
+              </a:spcAft>
+              <a:buClrTx/>
+              <a:buSzTx/>
+              <a:buFontTx/>
+              <a:buChar char="•"/>
+              <a:tabLst/>
+            </a:pPr>
+            <a:r>
+              <a:rPr kumimoji="0" lang="en-US" altLang="en-US" sz="3000" b="0" i="0" u="none" strike="noStrike" cap="none" normalizeH="0" baseline="0" dirty="0">
+                <a:ln>
+                  <a:noFill/>
+                </a:ln>
+                <a:solidFill>
+                  <a:schemeClr val="tx1"/>
+                </a:solidFill>
+                <a:effectLst/>
+                <a:latin typeface="Arial" panose="020B0604020202020204" pitchFamily="34" charset="0"/>
+              </a:rPr>
+              <a:t>Improves security and maintainability</a:t>
+            </a:r>
+          </a:p>
+          <a:p>
+            <a:pPr marL="0" marR="0" lvl="0" indent="0" algn="l" defTabSz="914400" rtl="0" eaLnBrk="0" fontAlgn="base" latinLnBrk="0" hangingPunct="0">
+              <a:lnSpc>
+                <a:spcPct val="100000"/>
+              </a:lnSpc>
+              <a:spcBef>
+                <a:spcPct val="0"/>
+              </a:spcBef>
+              <a:spcAft>
+                <a:spcPct val="0"/>
+              </a:spcAft>
+              <a:buClrTx/>
+              <a:buSzTx/>
+              <a:buFontTx/>
+              <a:buChar char="•"/>
+              <a:tabLst/>
+            </a:pPr>
+            <a:r>
+              <a:rPr kumimoji="0" lang="en-US" altLang="en-US" sz="3000" b="0" i="0" u="none" strike="noStrike" cap="none" normalizeH="0" baseline="0" dirty="0">
+                <a:ln>
+                  <a:noFill/>
+                </a:ln>
+                <a:solidFill>
+                  <a:schemeClr val="tx1"/>
+                </a:solidFill>
+                <a:effectLst/>
+                <a:latin typeface="Arial" panose="020B0604020202020204" pitchFamily="34" charset="0"/>
+              </a:rPr>
+              <a:t>Prevents unauthorized modification</a:t>
+            </a:r>
+          </a:p>
+        </p:txBody>
+      </p:sp>
+    </p:spTree>
+    <p:extLst>
+      <p:ext uri="{BB962C8B-B14F-4D97-AF65-F5344CB8AC3E}">
+        <p14:creationId xmlns:p14="http://schemas.microsoft.com/office/powerpoint/2010/main" val="4067154092"/>
+      </p:ext>
+    </p:extLst>
+  </p:cSld>
+  <p:clrMapOvr>
+    <a:masterClrMapping/>
+  </p:clrMapOvr>
+</p:sld>
+</file>
+
+<file path=ppt/slides/slide14.xml><?xml version="1.0" encoding="utf-8"?>
+<p:sld xmlns:a="http://schemas.openxmlformats.org/drawingml/2006/main" xmlns:r="http://schemas.openxmlformats.org/officeDocument/2006/relationships" xmlns:p="http://schemas.openxmlformats.org/presentationml/2006/main">
+  <p:cSld>
+    <p:spTree>
+      <p:nvGrpSpPr>
+        <p:cNvPr id="1" name=""/>
+        <p:cNvGrpSpPr/>
+        <p:nvPr/>
+      </p:nvGrpSpPr>
+      <p:grpSpPr>
+        <a:xfrm>
+          <a:off x="0" y="0"/>
+          <a:ext cx="0" cy="0"/>
+          <a:chOff x="0" y="0"/>
+          <a:chExt cx="0" cy="0"/>
+        </a:xfrm>
+      </p:grpSpPr>
+      <p:sp>
+        <p:nvSpPr>
+          <p:cNvPr id="3" name="Content Placeholder 2">
+            <a:extLst>
+              <a:ext uri="{FF2B5EF4-FFF2-40B4-BE49-F238E27FC236}">
+                <a16:creationId xmlns:a16="http://schemas.microsoft.com/office/drawing/2014/main" id="{B8108FDA-EBD2-FA2B-0C27-E4932FBC4701}"/>
+              </a:ext>
+            </a:extLst>
+          </p:cNvPr>
+          <p:cNvSpPr>
+            <a:spLocks noGrp="1"/>
+          </p:cNvSpPr>
+          <p:nvPr>
+            <p:ph idx="1"/>
+          </p:nvPr>
+        </p:nvSpPr>
+        <p:spPr/>
+        <p:txBody>
+          <a:bodyPr>
+            <a:normAutofit fontScale="55000" lnSpcReduction="20000"/>
+          </a:bodyPr>
+          <a:lstStyle/>
+          <a:p>
+            <a:pPr marL="0" indent="0">
+              <a:buNone/>
+            </a:pPr>
+            <a:r>
+              <a:rPr lang="en-IN" dirty="0"/>
+              <a:t>class Employee {</a:t>
+            </a:r>
+          </a:p>
+          <a:p>
+            <a:pPr marL="0" indent="0">
+              <a:buNone/>
+            </a:pPr>
+            <a:r>
+              <a:rPr lang="en-IN" dirty="0"/>
+              <a:t>    // private data member (hidden)</a:t>
+            </a:r>
+          </a:p>
+          <a:p>
+            <a:pPr marL="0" indent="0">
+              <a:buNone/>
+            </a:pPr>
+            <a:r>
+              <a:rPr lang="en-IN" dirty="0"/>
+              <a:t>    private double salary;</a:t>
+            </a:r>
+          </a:p>
+          <a:p>
+            <a:pPr marL="0" indent="0">
+              <a:buNone/>
+            </a:pPr>
+            <a:endParaRPr lang="en-IN" dirty="0"/>
+          </a:p>
+          <a:p>
+            <a:pPr marL="0" indent="0">
+              <a:buNone/>
+            </a:pPr>
+            <a:r>
+              <a:rPr lang="en-IN" dirty="0"/>
+              <a:t>    // setter method to modify salary</a:t>
+            </a:r>
+          </a:p>
+          <a:p>
+            <a:pPr marL="0" indent="0">
+              <a:buNone/>
+            </a:pPr>
+            <a:r>
+              <a:rPr lang="en-IN" dirty="0"/>
+              <a:t>    public void </a:t>
+            </a:r>
+            <a:r>
+              <a:rPr lang="en-IN" dirty="0" err="1"/>
+              <a:t>setSalary</a:t>
+            </a:r>
+            <a:r>
+              <a:rPr lang="en-IN" dirty="0"/>
+              <a:t>(double salary) {</a:t>
+            </a:r>
+          </a:p>
+          <a:p>
+            <a:pPr marL="0" indent="0">
+              <a:buNone/>
+            </a:pPr>
+            <a:r>
+              <a:rPr lang="en-IN" dirty="0"/>
+              <a:t>        if (salary &gt; 0) {</a:t>
+            </a:r>
+          </a:p>
+          <a:p>
+            <a:pPr marL="0" indent="0">
+              <a:buNone/>
+            </a:pPr>
+            <a:r>
+              <a:rPr lang="en-IN" dirty="0"/>
+              <a:t>            </a:t>
+            </a:r>
+            <a:r>
+              <a:rPr lang="en-IN" dirty="0" err="1"/>
+              <a:t>this.salary</a:t>
+            </a:r>
+            <a:r>
+              <a:rPr lang="en-IN" dirty="0"/>
+              <a:t> = salary;</a:t>
+            </a:r>
+          </a:p>
+          <a:p>
+            <a:pPr marL="0" indent="0">
+              <a:buNone/>
+            </a:pPr>
+            <a:r>
+              <a:rPr lang="en-IN" dirty="0"/>
+              <a:t>        }</a:t>
+            </a:r>
+          </a:p>
+          <a:p>
+            <a:pPr marL="0" indent="0">
+              <a:buNone/>
+            </a:pPr>
+            <a:r>
+              <a:rPr lang="en-IN" dirty="0"/>
+              <a:t>    }</a:t>
+            </a:r>
+          </a:p>
+          <a:p>
+            <a:pPr marL="0" indent="0">
+              <a:buNone/>
+            </a:pPr>
+            <a:r>
+              <a:rPr lang="en-IN" dirty="0"/>
+              <a:t>    // getter method to access salary</a:t>
+            </a:r>
+          </a:p>
+          <a:p>
+            <a:pPr marL="0" indent="0">
+              <a:buNone/>
+            </a:pPr>
+            <a:r>
+              <a:rPr lang="en-IN" dirty="0"/>
+              <a:t>    public double </a:t>
+            </a:r>
+            <a:r>
+              <a:rPr lang="en-IN" dirty="0" err="1"/>
+              <a:t>getSalary</a:t>
+            </a:r>
+            <a:r>
+              <a:rPr lang="en-IN" dirty="0"/>
+              <a:t>() {</a:t>
+            </a:r>
+          </a:p>
+          <a:p>
+            <a:pPr marL="0" indent="0">
+              <a:buNone/>
+            </a:pPr>
+            <a:r>
+              <a:rPr lang="en-IN" dirty="0"/>
+              <a:t>        return salary;</a:t>
+            </a:r>
+          </a:p>
+          <a:p>
+            <a:pPr marL="0" indent="0">
+              <a:buNone/>
+            </a:pPr>
+            <a:r>
+              <a:rPr lang="en-IN" dirty="0"/>
+              <a:t>    }</a:t>
+            </a:r>
+          </a:p>
+          <a:p>
+            <a:pPr marL="0" indent="0">
+              <a:buNone/>
+            </a:pPr>
+            <a:r>
+              <a:rPr lang="en-IN" dirty="0"/>
+              <a:t>}</a:t>
+            </a:r>
+          </a:p>
+          <a:p>
+            <a:pPr marL="0" indent="0">
+              <a:buNone/>
+            </a:pPr>
+            <a:endParaRPr lang="en-IN" dirty="0"/>
+          </a:p>
+        </p:txBody>
+      </p:sp>
+    </p:spTree>
+    <p:extLst>
+      <p:ext uri="{BB962C8B-B14F-4D97-AF65-F5344CB8AC3E}">
+        <p14:creationId xmlns:p14="http://schemas.microsoft.com/office/powerpoint/2010/main" val="110754206"/>
+      </p:ext>
+    </p:extLst>
+  </p:cSld>
+  <p:clrMapOvr>
+    <a:masterClrMapping/>
+  </p:clrMapOvr>
+</p:sld>
+</file>
+
 <file path=ppt/slides/slide2.xml><?xml version="1.0" encoding="utf-8"?>
 <p:sld xmlns:a="http://schemas.openxmlformats.org/drawingml/2006/main" xmlns:r="http://schemas.openxmlformats.org/officeDocument/2006/relationships" xmlns:p="http://schemas.openxmlformats.org/presentationml/2006/main">
   <p:cSld>
